--- a/ppt 16-9/0728.若不是圣灵的引.pptx
+++ b/ppt 16-9/0728.若不是圣灵的引.pptx
@@ -5,7 +5,7 @@
     <p:sldMasterId id="2147483648" r:id="rId1"/>
   </p:sldMasterIdLst>
   <p:sldIdLst>
-    <p:sldId id="1967" r:id="rId2"/>
+    <p:sldId id="1968" r:id="rId2"/>
   </p:sldIdLst>
   <p:sldSz cx="12192000" cy="6858000"/>
   <p:notesSz cx="6858000" cy="9144000"/>
@@ -129,7 +129,7 @@
           <p:cNvPr id="2" name="标题 1">
             <a:extLst>
               <a:ext uri="{FF2B5EF4-FFF2-40B4-BE49-F238E27FC236}">
-                <a16:creationId xmlns:a16="http://schemas.microsoft.com/office/drawing/2014/main" id="{C9C235AD-2826-4AB2-6793-E30C3D86304C}"/>
+                <a16:creationId xmlns:a16="http://schemas.microsoft.com/office/drawing/2014/main" id="{4F642B9E-AF7D-6706-F651-4301C0F76A1D}"/>
               </a:ext>
             </a:extLst>
           </p:cNvPr>
@@ -166,7 +166,7 @@
           <p:cNvPr id="3" name="副标题 2">
             <a:extLst>
               <a:ext uri="{FF2B5EF4-FFF2-40B4-BE49-F238E27FC236}">
-                <a16:creationId xmlns:a16="http://schemas.microsoft.com/office/drawing/2014/main" id="{0C51A020-1FDF-6A30-DA96-9166AE413450}"/>
+                <a16:creationId xmlns:a16="http://schemas.microsoft.com/office/drawing/2014/main" id="{6FCAA89A-E1A8-E9DC-16AA-E635BD4BD56A}"/>
               </a:ext>
             </a:extLst>
           </p:cNvPr>
@@ -236,7 +236,7 @@
           <p:cNvPr id="4" name="日期占位符 3">
             <a:extLst>
               <a:ext uri="{FF2B5EF4-FFF2-40B4-BE49-F238E27FC236}">
-                <a16:creationId xmlns:a16="http://schemas.microsoft.com/office/drawing/2014/main" id="{641EB595-C9B1-333B-90C4-B30AB2B2AAA2}"/>
+                <a16:creationId xmlns:a16="http://schemas.microsoft.com/office/drawing/2014/main" id="{5EBEF9EB-A1C7-6A61-15B3-35B0FDE14FD9}"/>
               </a:ext>
             </a:extLst>
           </p:cNvPr>
@@ -252,7 +252,7 @@
           <a:bodyPr/>
           <a:lstStyle/>
           <a:p>
-            <a:fld id="{800338AD-CC71-4611-902F-5B93A5600B97}" type="datetimeFigureOut">
+            <a:fld id="{40DE2E3C-831D-4470-9861-1C993D8D8180}" type="datetimeFigureOut">
               <a:rPr lang="zh-CN" altLang="en-US" smtClean="0"/>
               <a:t>2024/3/10</a:t>
             </a:fld>
@@ -265,7 +265,7 @@
           <p:cNvPr id="5" name="页脚占位符 4">
             <a:extLst>
               <a:ext uri="{FF2B5EF4-FFF2-40B4-BE49-F238E27FC236}">
-                <a16:creationId xmlns:a16="http://schemas.microsoft.com/office/drawing/2014/main" id="{FB4AC736-CA5D-B22E-CAFE-198C5664C598}"/>
+                <a16:creationId xmlns:a16="http://schemas.microsoft.com/office/drawing/2014/main" id="{6386F4BD-740A-DC34-58CB-015390C0C10F}"/>
               </a:ext>
             </a:extLst>
           </p:cNvPr>
@@ -290,7 +290,7 @@
           <p:cNvPr id="6" name="灯片编号占位符 5">
             <a:extLst>
               <a:ext uri="{FF2B5EF4-FFF2-40B4-BE49-F238E27FC236}">
-                <a16:creationId xmlns:a16="http://schemas.microsoft.com/office/drawing/2014/main" id="{63BD91EB-8A36-2755-785E-3FB7D51D1B3A}"/>
+                <a16:creationId xmlns:a16="http://schemas.microsoft.com/office/drawing/2014/main" id="{03B7268B-E776-DDB0-C986-831A71E251BE}"/>
               </a:ext>
             </a:extLst>
           </p:cNvPr>
@@ -306,7 +306,7 @@
           <a:bodyPr/>
           <a:lstStyle/>
           <a:p>
-            <a:fld id="{5D8AB71C-4E59-42F3-909A-F366ACFC3C84}" type="slidenum">
+            <a:fld id="{14C6CF93-C967-44BB-B72E-37B128B2059D}" type="slidenum">
               <a:rPr lang="zh-CN" altLang="en-US" smtClean="0"/>
               <a:t>‹#›</a:t>
             </a:fld>
@@ -317,7 +317,7 @@
     </p:spTree>
     <p:extLst>
       <p:ext uri="{BB962C8B-B14F-4D97-AF65-F5344CB8AC3E}">
-        <p14:creationId xmlns:p14="http://schemas.microsoft.com/office/powerpoint/2010/main" val="3011983452"/>
+        <p14:creationId xmlns:p14="http://schemas.microsoft.com/office/powerpoint/2010/main" val="96302683"/>
       </p:ext>
     </p:extLst>
   </p:cSld>
@@ -349,7 +349,7 @@
           <p:cNvPr id="2" name="标题 1">
             <a:extLst>
               <a:ext uri="{FF2B5EF4-FFF2-40B4-BE49-F238E27FC236}">
-                <a16:creationId xmlns:a16="http://schemas.microsoft.com/office/drawing/2014/main" id="{83992FDE-AEF4-41F5-4925-47E8221615AF}"/>
+                <a16:creationId xmlns:a16="http://schemas.microsoft.com/office/drawing/2014/main" id="{4FF486C8-5516-4BA2-F24D-4DB513FA5E36}"/>
               </a:ext>
             </a:extLst>
           </p:cNvPr>
@@ -377,7 +377,7 @@
           <p:cNvPr id="3" name="竖排文字占位符 2">
             <a:extLst>
               <a:ext uri="{FF2B5EF4-FFF2-40B4-BE49-F238E27FC236}">
-                <a16:creationId xmlns:a16="http://schemas.microsoft.com/office/drawing/2014/main" id="{3CF2DF32-2366-7335-B6EC-FF7A1699144E}"/>
+                <a16:creationId xmlns:a16="http://schemas.microsoft.com/office/drawing/2014/main" id="{9A674A2B-5765-BC20-09AE-8F8B11E0AE49}"/>
               </a:ext>
             </a:extLst>
           </p:cNvPr>
@@ -434,7 +434,7 @@
           <p:cNvPr id="4" name="日期占位符 3">
             <a:extLst>
               <a:ext uri="{FF2B5EF4-FFF2-40B4-BE49-F238E27FC236}">
-                <a16:creationId xmlns:a16="http://schemas.microsoft.com/office/drawing/2014/main" id="{E1D31BDE-2C43-7D53-D12E-C6B8C70B4DEA}"/>
+                <a16:creationId xmlns:a16="http://schemas.microsoft.com/office/drawing/2014/main" id="{46BC7EF0-D512-2618-1E05-368AF2F1125F}"/>
               </a:ext>
             </a:extLst>
           </p:cNvPr>
@@ -450,7 +450,7 @@
           <a:bodyPr/>
           <a:lstStyle/>
           <a:p>
-            <a:fld id="{800338AD-CC71-4611-902F-5B93A5600B97}" type="datetimeFigureOut">
+            <a:fld id="{40DE2E3C-831D-4470-9861-1C993D8D8180}" type="datetimeFigureOut">
               <a:rPr lang="zh-CN" altLang="en-US" smtClean="0"/>
               <a:t>2024/3/10</a:t>
             </a:fld>
@@ -463,7 +463,7 @@
           <p:cNvPr id="5" name="页脚占位符 4">
             <a:extLst>
               <a:ext uri="{FF2B5EF4-FFF2-40B4-BE49-F238E27FC236}">
-                <a16:creationId xmlns:a16="http://schemas.microsoft.com/office/drawing/2014/main" id="{7C918434-DB5E-434F-DCF6-0D6797DE8246}"/>
+                <a16:creationId xmlns:a16="http://schemas.microsoft.com/office/drawing/2014/main" id="{4EF3D447-4B67-066E-83ED-F54D9072DEA0}"/>
               </a:ext>
             </a:extLst>
           </p:cNvPr>
@@ -488,7 +488,7 @@
           <p:cNvPr id="6" name="灯片编号占位符 5">
             <a:extLst>
               <a:ext uri="{FF2B5EF4-FFF2-40B4-BE49-F238E27FC236}">
-                <a16:creationId xmlns:a16="http://schemas.microsoft.com/office/drawing/2014/main" id="{1BEFB40D-98AD-F829-7B91-494F7C491A08}"/>
+                <a16:creationId xmlns:a16="http://schemas.microsoft.com/office/drawing/2014/main" id="{DE256128-F891-BBAF-4570-5999C503F261}"/>
               </a:ext>
             </a:extLst>
           </p:cNvPr>
@@ -504,7 +504,7 @@
           <a:bodyPr/>
           <a:lstStyle/>
           <a:p>
-            <a:fld id="{5D8AB71C-4E59-42F3-909A-F366ACFC3C84}" type="slidenum">
+            <a:fld id="{14C6CF93-C967-44BB-B72E-37B128B2059D}" type="slidenum">
               <a:rPr lang="zh-CN" altLang="en-US" smtClean="0"/>
               <a:t>‹#›</a:t>
             </a:fld>
@@ -515,7 +515,7 @@
     </p:spTree>
     <p:extLst>
       <p:ext uri="{BB962C8B-B14F-4D97-AF65-F5344CB8AC3E}">
-        <p14:creationId xmlns:p14="http://schemas.microsoft.com/office/powerpoint/2010/main" val="471056493"/>
+        <p14:creationId xmlns:p14="http://schemas.microsoft.com/office/powerpoint/2010/main" val="1627326348"/>
       </p:ext>
     </p:extLst>
   </p:cSld>
@@ -547,7 +547,7 @@
           <p:cNvPr id="2" name="竖排标题 1">
             <a:extLst>
               <a:ext uri="{FF2B5EF4-FFF2-40B4-BE49-F238E27FC236}">
-                <a16:creationId xmlns:a16="http://schemas.microsoft.com/office/drawing/2014/main" id="{003A90FD-B985-44F2-AE5D-C4372C98BE56}"/>
+                <a16:creationId xmlns:a16="http://schemas.microsoft.com/office/drawing/2014/main" id="{88E12D59-92B1-2C9B-8733-3D2977B9C52A}"/>
               </a:ext>
             </a:extLst>
           </p:cNvPr>
@@ -580,7 +580,7 @@
           <p:cNvPr id="3" name="竖排文字占位符 2">
             <a:extLst>
               <a:ext uri="{FF2B5EF4-FFF2-40B4-BE49-F238E27FC236}">
-                <a16:creationId xmlns:a16="http://schemas.microsoft.com/office/drawing/2014/main" id="{250FF516-ADAB-BFBC-C197-2220DBD582D1}"/>
+                <a16:creationId xmlns:a16="http://schemas.microsoft.com/office/drawing/2014/main" id="{7A3EF070-977A-CBEF-AB66-8F3D07CBB2EB}"/>
               </a:ext>
             </a:extLst>
           </p:cNvPr>
@@ -642,7 +642,7 @@
           <p:cNvPr id="4" name="日期占位符 3">
             <a:extLst>
               <a:ext uri="{FF2B5EF4-FFF2-40B4-BE49-F238E27FC236}">
-                <a16:creationId xmlns:a16="http://schemas.microsoft.com/office/drawing/2014/main" id="{0B72F7DC-086D-93B6-0BA1-FB74EC2F7639}"/>
+                <a16:creationId xmlns:a16="http://schemas.microsoft.com/office/drawing/2014/main" id="{C12D6F8B-C0B5-0A54-2078-2BD4BFF0F319}"/>
               </a:ext>
             </a:extLst>
           </p:cNvPr>
@@ -658,7 +658,7 @@
           <a:bodyPr/>
           <a:lstStyle/>
           <a:p>
-            <a:fld id="{800338AD-CC71-4611-902F-5B93A5600B97}" type="datetimeFigureOut">
+            <a:fld id="{40DE2E3C-831D-4470-9861-1C993D8D8180}" type="datetimeFigureOut">
               <a:rPr lang="zh-CN" altLang="en-US" smtClean="0"/>
               <a:t>2024/3/10</a:t>
             </a:fld>
@@ -671,7 +671,7 @@
           <p:cNvPr id="5" name="页脚占位符 4">
             <a:extLst>
               <a:ext uri="{FF2B5EF4-FFF2-40B4-BE49-F238E27FC236}">
-                <a16:creationId xmlns:a16="http://schemas.microsoft.com/office/drawing/2014/main" id="{9568B8A0-02B9-DC78-1E92-08C39CFF19BD}"/>
+                <a16:creationId xmlns:a16="http://schemas.microsoft.com/office/drawing/2014/main" id="{10A59E57-7864-053C-FDD9-8D413F0C042E}"/>
               </a:ext>
             </a:extLst>
           </p:cNvPr>
@@ -696,7 +696,7 @@
           <p:cNvPr id="6" name="灯片编号占位符 5">
             <a:extLst>
               <a:ext uri="{FF2B5EF4-FFF2-40B4-BE49-F238E27FC236}">
-                <a16:creationId xmlns:a16="http://schemas.microsoft.com/office/drawing/2014/main" id="{C9592931-DFA0-8500-451D-6E7F553C4F86}"/>
+                <a16:creationId xmlns:a16="http://schemas.microsoft.com/office/drawing/2014/main" id="{D67AADA3-0D88-3151-67CB-0F34BEDE26FA}"/>
               </a:ext>
             </a:extLst>
           </p:cNvPr>
@@ -712,7 +712,7 @@
           <a:bodyPr/>
           <a:lstStyle/>
           <a:p>
-            <a:fld id="{5D8AB71C-4E59-42F3-909A-F366ACFC3C84}" type="slidenum">
+            <a:fld id="{14C6CF93-C967-44BB-B72E-37B128B2059D}" type="slidenum">
               <a:rPr lang="zh-CN" altLang="en-US" smtClean="0"/>
               <a:t>‹#›</a:t>
             </a:fld>
@@ -723,7 +723,7 @@
     </p:spTree>
     <p:extLst>
       <p:ext uri="{BB962C8B-B14F-4D97-AF65-F5344CB8AC3E}">
-        <p14:creationId xmlns:p14="http://schemas.microsoft.com/office/powerpoint/2010/main" val="2736548204"/>
+        <p14:creationId xmlns:p14="http://schemas.microsoft.com/office/powerpoint/2010/main" val="158849595"/>
       </p:ext>
     </p:extLst>
   </p:cSld>
@@ -755,7 +755,7 @@
           <p:cNvPr id="2" name="标题 1">
             <a:extLst>
               <a:ext uri="{FF2B5EF4-FFF2-40B4-BE49-F238E27FC236}">
-                <a16:creationId xmlns:a16="http://schemas.microsoft.com/office/drawing/2014/main" id="{CFBBCF93-F2A4-9FC3-E356-5917C297D347}"/>
+                <a16:creationId xmlns:a16="http://schemas.microsoft.com/office/drawing/2014/main" id="{9F174151-CF12-BEA3-D401-C86783E5AA5D}"/>
               </a:ext>
             </a:extLst>
           </p:cNvPr>
@@ -783,7 +783,7 @@
           <p:cNvPr id="3" name="内容占位符 2">
             <a:extLst>
               <a:ext uri="{FF2B5EF4-FFF2-40B4-BE49-F238E27FC236}">
-                <a16:creationId xmlns:a16="http://schemas.microsoft.com/office/drawing/2014/main" id="{C7C8BF4F-8EB1-2826-9721-0419ABB38B50}"/>
+                <a16:creationId xmlns:a16="http://schemas.microsoft.com/office/drawing/2014/main" id="{E5E5DF48-4FA3-F5C6-6A21-C38E2DF992F5}"/>
               </a:ext>
             </a:extLst>
           </p:cNvPr>
@@ -840,7 +840,7 @@
           <p:cNvPr id="4" name="日期占位符 3">
             <a:extLst>
               <a:ext uri="{FF2B5EF4-FFF2-40B4-BE49-F238E27FC236}">
-                <a16:creationId xmlns:a16="http://schemas.microsoft.com/office/drawing/2014/main" id="{56A11767-5FF0-E039-DF41-7DC021DCD5F7}"/>
+                <a16:creationId xmlns:a16="http://schemas.microsoft.com/office/drawing/2014/main" id="{D57564DE-D42D-A4C5-EB81-BD385667AE6D}"/>
               </a:ext>
             </a:extLst>
           </p:cNvPr>
@@ -856,7 +856,7 @@
           <a:bodyPr/>
           <a:lstStyle/>
           <a:p>
-            <a:fld id="{800338AD-CC71-4611-902F-5B93A5600B97}" type="datetimeFigureOut">
+            <a:fld id="{40DE2E3C-831D-4470-9861-1C993D8D8180}" type="datetimeFigureOut">
               <a:rPr lang="zh-CN" altLang="en-US" smtClean="0"/>
               <a:t>2024/3/10</a:t>
             </a:fld>
@@ -869,7 +869,7 @@
           <p:cNvPr id="5" name="页脚占位符 4">
             <a:extLst>
               <a:ext uri="{FF2B5EF4-FFF2-40B4-BE49-F238E27FC236}">
-                <a16:creationId xmlns:a16="http://schemas.microsoft.com/office/drawing/2014/main" id="{C09D742F-0D69-02EE-3419-65C8F5C52948}"/>
+                <a16:creationId xmlns:a16="http://schemas.microsoft.com/office/drawing/2014/main" id="{61ED6B28-D2EE-F706-FE2B-2186C8C0A593}"/>
               </a:ext>
             </a:extLst>
           </p:cNvPr>
@@ -894,7 +894,7 @@
           <p:cNvPr id="6" name="灯片编号占位符 5">
             <a:extLst>
               <a:ext uri="{FF2B5EF4-FFF2-40B4-BE49-F238E27FC236}">
-                <a16:creationId xmlns:a16="http://schemas.microsoft.com/office/drawing/2014/main" id="{09D380CC-C70F-E9A1-2785-08C630C3F5CC}"/>
+                <a16:creationId xmlns:a16="http://schemas.microsoft.com/office/drawing/2014/main" id="{5CD735EF-B768-6FCE-706B-923D8276CCBF}"/>
               </a:ext>
             </a:extLst>
           </p:cNvPr>
@@ -910,7 +910,7 @@
           <a:bodyPr/>
           <a:lstStyle/>
           <a:p>
-            <a:fld id="{5D8AB71C-4E59-42F3-909A-F366ACFC3C84}" type="slidenum">
+            <a:fld id="{14C6CF93-C967-44BB-B72E-37B128B2059D}" type="slidenum">
               <a:rPr lang="zh-CN" altLang="en-US" smtClean="0"/>
               <a:t>‹#›</a:t>
             </a:fld>
@@ -921,7 +921,7 @@
     </p:spTree>
     <p:extLst>
       <p:ext uri="{BB962C8B-B14F-4D97-AF65-F5344CB8AC3E}">
-        <p14:creationId xmlns:p14="http://schemas.microsoft.com/office/powerpoint/2010/main" val="4069439305"/>
+        <p14:creationId xmlns:p14="http://schemas.microsoft.com/office/powerpoint/2010/main" val="878921073"/>
       </p:ext>
     </p:extLst>
   </p:cSld>
@@ -953,7 +953,7 @@
           <p:cNvPr id="2" name="标题 1">
             <a:extLst>
               <a:ext uri="{FF2B5EF4-FFF2-40B4-BE49-F238E27FC236}">
-                <a16:creationId xmlns:a16="http://schemas.microsoft.com/office/drawing/2014/main" id="{F042C5EE-2B01-E7BC-D027-0545561CE4A6}"/>
+                <a16:creationId xmlns:a16="http://schemas.microsoft.com/office/drawing/2014/main" id="{C0198D0B-E84A-D81F-F1B5-7175EE3F8DFB}"/>
               </a:ext>
             </a:extLst>
           </p:cNvPr>
@@ -990,7 +990,7 @@
           <p:cNvPr id="3" name="文本占位符 2">
             <a:extLst>
               <a:ext uri="{FF2B5EF4-FFF2-40B4-BE49-F238E27FC236}">
-                <a16:creationId xmlns:a16="http://schemas.microsoft.com/office/drawing/2014/main" id="{11CDC742-B8D6-14D3-94CB-A54E989FCA25}"/>
+                <a16:creationId xmlns:a16="http://schemas.microsoft.com/office/drawing/2014/main" id="{69580B6A-2536-0DB6-B42D-8FFC6AE94D77}"/>
               </a:ext>
             </a:extLst>
           </p:cNvPr>
@@ -1115,7 +1115,7 @@
           <p:cNvPr id="4" name="日期占位符 3">
             <a:extLst>
               <a:ext uri="{FF2B5EF4-FFF2-40B4-BE49-F238E27FC236}">
-                <a16:creationId xmlns:a16="http://schemas.microsoft.com/office/drawing/2014/main" id="{1EF9B203-45B6-244D-CC7F-719C27668A33}"/>
+                <a16:creationId xmlns:a16="http://schemas.microsoft.com/office/drawing/2014/main" id="{7AAD8FE0-3AD7-E1BE-81E3-491277E9974B}"/>
               </a:ext>
             </a:extLst>
           </p:cNvPr>
@@ -1131,7 +1131,7 @@
           <a:bodyPr/>
           <a:lstStyle/>
           <a:p>
-            <a:fld id="{800338AD-CC71-4611-902F-5B93A5600B97}" type="datetimeFigureOut">
+            <a:fld id="{40DE2E3C-831D-4470-9861-1C993D8D8180}" type="datetimeFigureOut">
               <a:rPr lang="zh-CN" altLang="en-US" smtClean="0"/>
               <a:t>2024/3/10</a:t>
             </a:fld>
@@ -1144,7 +1144,7 @@
           <p:cNvPr id="5" name="页脚占位符 4">
             <a:extLst>
               <a:ext uri="{FF2B5EF4-FFF2-40B4-BE49-F238E27FC236}">
-                <a16:creationId xmlns:a16="http://schemas.microsoft.com/office/drawing/2014/main" id="{7D133D2B-1ACC-0334-6880-DE07BFD1B8D0}"/>
+                <a16:creationId xmlns:a16="http://schemas.microsoft.com/office/drawing/2014/main" id="{A61B9BA7-846F-C52A-FD75-38FF6987FF7E}"/>
               </a:ext>
             </a:extLst>
           </p:cNvPr>
@@ -1169,7 +1169,7 @@
           <p:cNvPr id="6" name="灯片编号占位符 5">
             <a:extLst>
               <a:ext uri="{FF2B5EF4-FFF2-40B4-BE49-F238E27FC236}">
-                <a16:creationId xmlns:a16="http://schemas.microsoft.com/office/drawing/2014/main" id="{1C13A246-A6CD-089A-4C98-FB7CABE7C3DC}"/>
+                <a16:creationId xmlns:a16="http://schemas.microsoft.com/office/drawing/2014/main" id="{00C1CAB8-2E61-FEFE-932A-6DA12C1078C8}"/>
               </a:ext>
             </a:extLst>
           </p:cNvPr>
@@ -1185,7 +1185,7 @@
           <a:bodyPr/>
           <a:lstStyle/>
           <a:p>
-            <a:fld id="{5D8AB71C-4E59-42F3-909A-F366ACFC3C84}" type="slidenum">
+            <a:fld id="{14C6CF93-C967-44BB-B72E-37B128B2059D}" type="slidenum">
               <a:rPr lang="zh-CN" altLang="en-US" smtClean="0"/>
               <a:t>‹#›</a:t>
             </a:fld>
@@ -1196,7 +1196,7 @@
     </p:spTree>
     <p:extLst>
       <p:ext uri="{BB962C8B-B14F-4D97-AF65-F5344CB8AC3E}">
-        <p14:creationId xmlns:p14="http://schemas.microsoft.com/office/powerpoint/2010/main" val="3935662244"/>
+        <p14:creationId xmlns:p14="http://schemas.microsoft.com/office/powerpoint/2010/main" val="2156241930"/>
       </p:ext>
     </p:extLst>
   </p:cSld>
@@ -1228,7 +1228,7 @@
           <p:cNvPr id="2" name="标题 1">
             <a:extLst>
               <a:ext uri="{FF2B5EF4-FFF2-40B4-BE49-F238E27FC236}">
-                <a16:creationId xmlns:a16="http://schemas.microsoft.com/office/drawing/2014/main" id="{113C6C95-1F22-B9D2-5DE1-67978583DF04}"/>
+                <a16:creationId xmlns:a16="http://schemas.microsoft.com/office/drawing/2014/main" id="{4019184F-DD3A-8731-DEF4-8EF7A2F99139}"/>
               </a:ext>
             </a:extLst>
           </p:cNvPr>
@@ -1256,7 +1256,7 @@
           <p:cNvPr id="3" name="内容占位符 2">
             <a:extLst>
               <a:ext uri="{FF2B5EF4-FFF2-40B4-BE49-F238E27FC236}">
-                <a16:creationId xmlns:a16="http://schemas.microsoft.com/office/drawing/2014/main" id="{E5AC7728-BF47-A77E-0D92-9BDCFF0E5481}"/>
+                <a16:creationId xmlns:a16="http://schemas.microsoft.com/office/drawing/2014/main" id="{67C6CCFD-F59D-3BDF-F371-5479A9BAA495}"/>
               </a:ext>
             </a:extLst>
           </p:cNvPr>
@@ -1318,7 +1318,7 @@
           <p:cNvPr id="4" name="内容占位符 3">
             <a:extLst>
               <a:ext uri="{FF2B5EF4-FFF2-40B4-BE49-F238E27FC236}">
-                <a16:creationId xmlns:a16="http://schemas.microsoft.com/office/drawing/2014/main" id="{B7E8DD69-FED9-6270-DB6F-17BB4758532D}"/>
+                <a16:creationId xmlns:a16="http://schemas.microsoft.com/office/drawing/2014/main" id="{9E30808C-0225-783A-29B3-55CA6BC439E3}"/>
               </a:ext>
             </a:extLst>
           </p:cNvPr>
@@ -1380,7 +1380,7 @@
           <p:cNvPr id="5" name="日期占位符 4">
             <a:extLst>
               <a:ext uri="{FF2B5EF4-FFF2-40B4-BE49-F238E27FC236}">
-                <a16:creationId xmlns:a16="http://schemas.microsoft.com/office/drawing/2014/main" id="{6908EFDA-E10A-70FF-81AD-C6EA467A1BEF}"/>
+                <a16:creationId xmlns:a16="http://schemas.microsoft.com/office/drawing/2014/main" id="{E1A425A1-3661-C0A6-228F-ACCEC6CD2624}"/>
               </a:ext>
             </a:extLst>
           </p:cNvPr>
@@ -1396,7 +1396,7 @@
           <a:bodyPr/>
           <a:lstStyle/>
           <a:p>
-            <a:fld id="{800338AD-CC71-4611-902F-5B93A5600B97}" type="datetimeFigureOut">
+            <a:fld id="{40DE2E3C-831D-4470-9861-1C993D8D8180}" type="datetimeFigureOut">
               <a:rPr lang="zh-CN" altLang="en-US" smtClean="0"/>
               <a:t>2024/3/10</a:t>
             </a:fld>
@@ -1409,7 +1409,7 @@
           <p:cNvPr id="6" name="页脚占位符 5">
             <a:extLst>
               <a:ext uri="{FF2B5EF4-FFF2-40B4-BE49-F238E27FC236}">
-                <a16:creationId xmlns:a16="http://schemas.microsoft.com/office/drawing/2014/main" id="{44033223-BF58-2B63-7F82-3D8506C21E58}"/>
+                <a16:creationId xmlns:a16="http://schemas.microsoft.com/office/drawing/2014/main" id="{7B49B2F1-B871-FA9C-8597-34055299E72A}"/>
               </a:ext>
             </a:extLst>
           </p:cNvPr>
@@ -1434,7 +1434,7 @@
           <p:cNvPr id="7" name="灯片编号占位符 6">
             <a:extLst>
               <a:ext uri="{FF2B5EF4-FFF2-40B4-BE49-F238E27FC236}">
-                <a16:creationId xmlns:a16="http://schemas.microsoft.com/office/drawing/2014/main" id="{170BB399-7F8D-3874-5267-6C4E75E772AA}"/>
+                <a16:creationId xmlns:a16="http://schemas.microsoft.com/office/drawing/2014/main" id="{76C4B062-BACF-0981-6B2D-FE91760BACD7}"/>
               </a:ext>
             </a:extLst>
           </p:cNvPr>
@@ -1450,7 +1450,7 @@
           <a:bodyPr/>
           <a:lstStyle/>
           <a:p>
-            <a:fld id="{5D8AB71C-4E59-42F3-909A-F366ACFC3C84}" type="slidenum">
+            <a:fld id="{14C6CF93-C967-44BB-B72E-37B128B2059D}" type="slidenum">
               <a:rPr lang="zh-CN" altLang="en-US" smtClean="0"/>
               <a:t>‹#›</a:t>
             </a:fld>
@@ -1461,7 +1461,7 @@
     </p:spTree>
     <p:extLst>
       <p:ext uri="{BB962C8B-B14F-4D97-AF65-F5344CB8AC3E}">
-        <p14:creationId xmlns:p14="http://schemas.microsoft.com/office/powerpoint/2010/main" val="3426559089"/>
+        <p14:creationId xmlns:p14="http://schemas.microsoft.com/office/powerpoint/2010/main" val="268780338"/>
       </p:ext>
     </p:extLst>
   </p:cSld>
@@ -1493,7 +1493,7 @@
           <p:cNvPr id="2" name="标题 1">
             <a:extLst>
               <a:ext uri="{FF2B5EF4-FFF2-40B4-BE49-F238E27FC236}">
-                <a16:creationId xmlns:a16="http://schemas.microsoft.com/office/drawing/2014/main" id="{A8C7621E-AE77-FDDC-5C1C-486524BFECF8}"/>
+                <a16:creationId xmlns:a16="http://schemas.microsoft.com/office/drawing/2014/main" id="{4879F01D-ED3B-F3B4-60DB-A3A27747DE82}"/>
               </a:ext>
             </a:extLst>
           </p:cNvPr>
@@ -1526,7 +1526,7 @@
           <p:cNvPr id="3" name="文本占位符 2">
             <a:extLst>
               <a:ext uri="{FF2B5EF4-FFF2-40B4-BE49-F238E27FC236}">
-                <a16:creationId xmlns:a16="http://schemas.microsoft.com/office/drawing/2014/main" id="{5DD5B697-FE4F-B1E1-6C22-5E4F4A68E092}"/>
+                <a16:creationId xmlns:a16="http://schemas.microsoft.com/office/drawing/2014/main" id="{DF0692CB-91A5-AA99-45B1-FA4492C8FAE0}"/>
               </a:ext>
             </a:extLst>
           </p:cNvPr>
@@ -1597,7 +1597,7 @@
           <p:cNvPr id="4" name="内容占位符 3">
             <a:extLst>
               <a:ext uri="{FF2B5EF4-FFF2-40B4-BE49-F238E27FC236}">
-                <a16:creationId xmlns:a16="http://schemas.microsoft.com/office/drawing/2014/main" id="{334088CE-4174-5C85-FBFC-BBEEC63AF441}"/>
+                <a16:creationId xmlns:a16="http://schemas.microsoft.com/office/drawing/2014/main" id="{800186D8-1277-CF04-D8F3-D25286B2A7E9}"/>
               </a:ext>
             </a:extLst>
           </p:cNvPr>
@@ -1659,7 +1659,7 @@
           <p:cNvPr id="5" name="文本占位符 4">
             <a:extLst>
               <a:ext uri="{FF2B5EF4-FFF2-40B4-BE49-F238E27FC236}">
-                <a16:creationId xmlns:a16="http://schemas.microsoft.com/office/drawing/2014/main" id="{D621984F-5F54-BA5E-6A7C-FC5DB6B29714}"/>
+                <a16:creationId xmlns:a16="http://schemas.microsoft.com/office/drawing/2014/main" id="{6ABD2D08-3748-77EC-E959-E18779B79E8D}"/>
               </a:ext>
             </a:extLst>
           </p:cNvPr>
@@ -1730,7 +1730,7 @@
           <p:cNvPr id="6" name="内容占位符 5">
             <a:extLst>
               <a:ext uri="{FF2B5EF4-FFF2-40B4-BE49-F238E27FC236}">
-                <a16:creationId xmlns:a16="http://schemas.microsoft.com/office/drawing/2014/main" id="{9DC94564-BEBA-3438-9852-9A5A284A2FB5}"/>
+                <a16:creationId xmlns:a16="http://schemas.microsoft.com/office/drawing/2014/main" id="{B650BCBD-3B6B-3B4D-7092-9CD4C8178959}"/>
               </a:ext>
             </a:extLst>
           </p:cNvPr>
@@ -1792,7 +1792,7 @@
           <p:cNvPr id="7" name="日期占位符 6">
             <a:extLst>
               <a:ext uri="{FF2B5EF4-FFF2-40B4-BE49-F238E27FC236}">
-                <a16:creationId xmlns:a16="http://schemas.microsoft.com/office/drawing/2014/main" id="{25545C57-7F09-EC30-13E5-8DA80534AEE9}"/>
+                <a16:creationId xmlns:a16="http://schemas.microsoft.com/office/drawing/2014/main" id="{A44B9FE2-9ED8-CC3B-B11A-6D9A62471E36}"/>
               </a:ext>
             </a:extLst>
           </p:cNvPr>
@@ -1808,7 +1808,7 @@
           <a:bodyPr/>
           <a:lstStyle/>
           <a:p>
-            <a:fld id="{800338AD-CC71-4611-902F-5B93A5600B97}" type="datetimeFigureOut">
+            <a:fld id="{40DE2E3C-831D-4470-9861-1C993D8D8180}" type="datetimeFigureOut">
               <a:rPr lang="zh-CN" altLang="en-US" smtClean="0"/>
               <a:t>2024/3/10</a:t>
             </a:fld>
@@ -1821,7 +1821,7 @@
           <p:cNvPr id="8" name="页脚占位符 7">
             <a:extLst>
               <a:ext uri="{FF2B5EF4-FFF2-40B4-BE49-F238E27FC236}">
-                <a16:creationId xmlns:a16="http://schemas.microsoft.com/office/drawing/2014/main" id="{2B6D4757-F6E7-D137-F9F6-43EA871D938C}"/>
+                <a16:creationId xmlns:a16="http://schemas.microsoft.com/office/drawing/2014/main" id="{AAFC5223-8664-BBEF-728C-6E78342083C5}"/>
               </a:ext>
             </a:extLst>
           </p:cNvPr>
@@ -1846,7 +1846,7 @@
           <p:cNvPr id="9" name="灯片编号占位符 8">
             <a:extLst>
               <a:ext uri="{FF2B5EF4-FFF2-40B4-BE49-F238E27FC236}">
-                <a16:creationId xmlns:a16="http://schemas.microsoft.com/office/drawing/2014/main" id="{A32E91BE-F345-71A8-DA31-23D8B9D1E9F9}"/>
+                <a16:creationId xmlns:a16="http://schemas.microsoft.com/office/drawing/2014/main" id="{43FE795C-18E5-F445-15AF-91784C102F54}"/>
               </a:ext>
             </a:extLst>
           </p:cNvPr>
@@ -1862,7 +1862,7 @@
           <a:bodyPr/>
           <a:lstStyle/>
           <a:p>
-            <a:fld id="{5D8AB71C-4E59-42F3-909A-F366ACFC3C84}" type="slidenum">
+            <a:fld id="{14C6CF93-C967-44BB-B72E-37B128B2059D}" type="slidenum">
               <a:rPr lang="zh-CN" altLang="en-US" smtClean="0"/>
               <a:t>‹#›</a:t>
             </a:fld>
@@ -1873,7 +1873,7 @@
     </p:spTree>
     <p:extLst>
       <p:ext uri="{BB962C8B-B14F-4D97-AF65-F5344CB8AC3E}">
-        <p14:creationId xmlns:p14="http://schemas.microsoft.com/office/powerpoint/2010/main" val="2097162554"/>
+        <p14:creationId xmlns:p14="http://schemas.microsoft.com/office/powerpoint/2010/main" val="1590677813"/>
       </p:ext>
     </p:extLst>
   </p:cSld>
@@ -1905,7 +1905,7 @@
           <p:cNvPr id="2" name="标题 1">
             <a:extLst>
               <a:ext uri="{FF2B5EF4-FFF2-40B4-BE49-F238E27FC236}">
-                <a16:creationId xmlns:a16="http://schemas.microsoft.com/office/drawing/2014/main" id="{533B9343-E4FA-12F7-BF63-6B58CD2C33BA}"/>
+                <a16:creationId xmlns:a16="http://schemas.microsoft.com/office/drawing/2014/main" id="{ADD1731F-600B-218C-1D6C-55042AF07063}"/>
               </a:ext>
             </a:extLst>
           </p:cNvPr>
@@ -1933,7 +1933,7 @@
           <p:cNvPr id="3" name="日期占位符 2">
             <a:extLst>
               <a:ext uri="{FF2B5EF4-FFF2-40B4-BE49-F238E27FC236}">
-                <a16:creationId xmlns:a16="http://schemas.microsoft.com/office/drawing/2014/main" id="{DA7B026C-0243-ECC9-ED4F-9EDE71D2A4E9}"/>
+                <a16:creationId xmlns:a16="http://schemas.microsoft.com/office/drawing/2014/main" id="{91DF486C-4136-71FD-7A3B-8C84BEAF3D2E}"/>
               </a:ext>
             </a:extLst>
           </p:cNvPr>
@@ -1949,7 +1949,7 @@
           <a:bodyPr/>
           <a:lstStyle/>
           <a:p>
-            <a:fld id="{800338AD-CC71-4611-902F-5B93A5600B97}" type="datetimeFigureOut">
+            <a:fld id="{40DE2E3C-831D-4470-9861-1C993D8D8180}" type="datetimeFigureOut">
               <a:rPr lang="zh-CN" altLang="en-US" smtClean="0"/>
               <a:t>2024/3/10</a:t>
             </a:fld>
@@ -1962,7 +1962,7 @@
           <p:cNvPr id="4" name="页脚占位符 3">
             <a:extLst>
               <a:ext uri="{FF2B5EF4-FFF2-40B4-BE49-F238E27FC236}">
-                <a16:creationId xmlns:a16="http://schemas.microsoft.com/office/drawing/2014/main" id="{AED7FC27-6D9D-4305-E7B3-08B2846EFEDC}"/>
+                <a16:creationId xmlns:a16="http://schemas.microsoft.com/office/drawing/2014/main" id="{542D659E-375A-BACE-D08F-C63E8D5950EE}"/>
               </a:ext>
             </a:extLst>
           </p:cNvPr>
@@ -1987,7 +1987,7 @@
           <p:cNvPr id="5" name="灯片编号占位符 4">
             <a:extLst>
               <a:ext uri="{FF2B5EF4-FFF2-40B4-BE49-F238E27FC236}">
-                <a16:creationId xmlns:a16="http://schemas.microsoft.com/office/drawing/2014/main" id="{F078A342-18BA-CCD7-E062-372515AE72EE}"/>
+                <a16:creationId xmlns:a16="http://schemas.microsoft.com/office/drawing/2014/main" id="{45E45854-B7EA-8814-4983-809319BBCCEC}"/>
               </a:ext>
             </a:extLst>
           </p:cNvPr>
@@ -2003,7 +2003,7 @@
           <a:bodyPr/>
           <a:lstStyle/>
           <a:p>
-            <a:fld id="{5D8AB71C-4E59-42F3-909A-F366ACFC3C84}" type="slidenum">
+            <a:fld id="{14C6CF93-C967-44BB-B72E-37B128B2059D}" type="slidenum">
               <a:rPr lang="zh-CN" altLang="en-US" smtClean="0"/>
               <a:t>‹#›</a:t>
             </a:fld>
@@ -2014,7 +2014,7 @@
     </p:spTree>
     <p:extLst>
       <p:ext uri="{BB962C8B-B14F-4D97-AF65-F5344CB8AC3E}">
-        <p14:creationId xmlns:p14="http://schemas.microsoft.com/office/powerpoint/2010/main" val="207917302"/>
+        <p14:creationId xmlns:p14="http://schemas.microsoft.com/office/powerpoint/2010/main" val="3062953596"/>
       </p:ext>
     </p:extLst>
   </p:cSld>
@@ -2046,7 +2046,7 @@
           <p:cNvPr id="2" name="日期占位符 1">
             <a:extLst>
               <a:ext uri="{FF2B5EF4-FFF2-40B4-BE49-F238E27FC236}">
-                <a16:creationId xmlns:a16="http://schemas.microsoft.com/office/drawing/2014/main" id="{152B215E-2EAC-4F55-AC28-222451A9E71F}"/>
+                <a16:creationId xmlns:a16="http://schemas.microsoft.com/office/drawing/2014/main" id="{42ABEA57-E51F-C5E0-3734-044333C89145}"/>
               </a:ext>
             </a:extLst>
           </p:cNvPr>
@@ -2062,7 +2062,7 @@
           <a:bodyPr/>
           <a:lstStyle/>
           <a:p>
-            <a:fld id="{800338AD-CC71-4611-902F-5B93A5600B97}" type="datetimeFigureOut">
+            <a:fld id="{40DE2E3C-831D-4470-9861-1C993D8D8180}" type="datetimeFigureOut">
               <a:rPr lang="zh-CN" altLang="en-US" smtClean="0"/>
               <a:t>2024/3/10</a:t>
             </a:fld>
@@ -2075,7 +2075,7 @@
           <p:cNvPr id="3" name="页脚占位符 2">
             <a:extLst>
               <a:ext uri="{FF2B5EF4-FFF2-40B4-BE49-F238E27FC236}">
-                <a16:creationId xmlns:a16="http://schemas.microsoft.com/office/drawing/2014/main" id="{D698B253-6744-2D38-3E8E-7947B262375B}"/>
+                <a16:creationId xmlns:a16="http://schemas.microsoft.com/office/drawing/2014/main" id="{F8C921DB-D53D-EF78-1A8B-CF98BE454033}"/>
               </a:ext>
             </a:extLst>
           </p:cNvPr>
@@ -2100,7 +2100,7 @@
           <p:cNvPr id="4" name="灯片编号占位符 3">
             <a:extLst>
               <a:ext uri="{FF2B5EF4-FFF2-40B4-BE49-F238E27FC236}">
-                <a16:creationId xmlns:a16="http://schemas.microsoft.com/office/drawing/2014/main" id="{451010EC-3CBC-98A8-E2AF-C861B6282B94}"/>
+                <a16:creationId xmlns:a16="http://schemas.microsoft.com/office/drawing/2014/main" id="{BBC223D3-FA35-5E78-FDE4-512859B48B42}"/>
               </a:ext>
             </a:extLst>
           </p:cNvPr>
@@ -2116,7 +2116,7 @@
           <a:bodyPr/>
           <a:lstStyle/>
           <a:p>
-            <a:fld id="{5D8AB71C-4E59-42F3-909A-F366ACFC3C84}" type="slidenum">
+            <a:fld id="{14C6CF93-C967-44BB-B72E-37B128B2059D}" type="slidenum">
               <a:rPr lang="zh-CN" altLang="en-US" smtClean="0"/>
               <a:t>‹#›</a:t>
             </a:fld>
@@ -2127,7 +2127,7 @@
     </p:spTree>
     <p:extLst>
       <p:ext uri="{BB962C8B-B14F-4D97-AF65-F5344CB8AC3E}">
-        <p14:creationId xmlns:p14="http://schemas.microsoft.com/office/powerpoint/2010/main" val="335150752"/>
+        <p14:creationId xmlns:p14="http://schemas.microsoft.com/office/powerpoint/2010/main" val="1108536340"/>
       </p:ext>
     </p:extLst>
   </p:cSld>
@@ -2159,7 +2159,7 @@
           <p:cNvPr id="2" name="标题 1">
             <a:extLst>
               <a:ext uri="{FF2B5EF4-FFF2-40B4-BE49-F238E27FC236}">
-                <a16:creationId xmlns:a16="http://schemas.microsoft.com/office/drawing/2014/main" id="{D48624B4-BFE4-6AD2-9437-C78FC010A5FF}"/>
+                <a16:creationId xmlns:a16="http://schemas.microsoft.com/office/drawing/2014/main" id="{EEC30C79-2684-2BAB-AE0F-99C8DCE89703}"/>
               </a:ext>
             </a:extLst>
           </p:cNvPr>
@@ -2196,7 +2196,7 @@
           <p:cNvPr id="3" name="内容占位符 2">
             <a:extLst>
               <a:ext uri="{FF2B5EF4-FFF2-40B4-BE49-F238E27FC236}">
-                <a16:creationId xmlns:a16="http://schemas.microsoft.com/office/drawing/2014/main" id="{95AF06EB-CAAD-FAFD-7D00-844801D1DF3E}"/>
+                <a16:creationId xmlns:a16="http://schemas.microsoft.com/office/drawing/2014/main" id="{C1417A45-079B-2A63-3E9A-CBE95EB302F5}"/>
               </a:ext>
             </a:extLst>
           </p:cNvPr>
@@ -2286,7 +2286,7 @@
           <p:cNvPr id="4" name="文本占位符 3">
             <a:extLst>
               <a:ext uri="{FF2B5EF4-FFF2-40B4-BE49-F238E27FC236}">
-                <a16:creationId xmlns:a16="http://schemas.microsoft.com/office/drawing/2014/main" id="{851DBD9B-3F49-74DD-74B6-9DBB9236BCB9}"/>
+                <a16:creationId xmlns:a16="http://schemas.microsoft.com/office/drawing/2014/main" id="{7A18B911-32EF-35CD-6341-03CDB049CA89}"/>
               </a:ext>
             </a:extLst>
           </p:cNvPr>
@@ -2357,7 +2357,7 @@
           <p:cNvPr id="5" name="日期占位符 4">
             <a:extLst>
               <a:ext uri="{FF2B5EF4-FFF2-40B4-BE49-F238E27FC236}">
-                <a16:creationId xmlns:a16="http://schemas.microsoft.com/office/drawing/2014/main" id="{61902244-5A85-02A1-A31E-A012CCACB63F}"/>
+                <a16:creationId xmlns:a16="http://schemas.microsoft.com/office/drawing/2014/main" id="{BFBE9DED-9D79-917B-91DE-80741BBD1907}"/>
               </a:ext>
             </a:extLst>
           </p:cNvPr>
@@ -2373,7 +2373,7 @@
           <a:bodyPr/>
           <a:lstStyle/>
           <a:p>
-            <a:fld id="{800338AD-CC71-4611-902F-5B93A5600B97}" type="datetimeFigureOut">
+            <a:fld id="{40DE2E3C-831D-4470-9861-1C993D8D8180}" type="datetimeFigureOut">
               <a:rPr lang="zh-CN" altLang="en-US" smtClean="0"/>
               <a:t>2024/3/10</a:t>
             </a:fld>
@@ -2386,7 +2386,7 @@
           <p:cNvPr id="6" name="页脚占位符 5">
             <a:extLst>
               <a:ext uri="{FF2B5EF4-FFF2-40B4-BE49-F238E27FC236}">
-                <a16:creationId xmlns:a16="http://schemas.microsoft.com/office/drawing/2014/main" id="{7D1A4EEC-CF8E-325F-81F2-070083303283}"/>
+                <a16:creationId xmlns:a16="http://schemas.microsoft.com/office/drawing/2014/main" id="{45D09C7E-E22B-4675-30F9-0A54E5D6B21F}"/>
               </a:ext>
             </a:extLst>
           </p:cNvPr>
@@ -2411,7 +2411,7 @@
           <p:cNvPr id="7" name="灯片编号占位符 6">
             <a:extLst>
               <a:ext uri="{FF2B5EF4-FFF2-40B4-BE49-F238E27FC236}">
-                <a16:creationId xmlns:a16="http://schemas.microsoft.com/office/drawing/2014/main" id="{C170D27B-E2E8-A047-3C1A-533744C80097}"/>
+                <a16:creationId xmlns:a16="http://schemas.microsoft.com/office/drawing/2014/main" id="{C8EEF4C6-E3C7-4CA7-890D-3340CA6C862F}"/>
               </a:ext>
             </a:extLst>
           </p:cNvPr>
@@ -2427,7 +2427,7 @@
           <a:bodyPr/>
           <a:lstStyle/>
           <a:p>
-            <a:fld id="{5D8AB71C-4E59-42F3-909A-F366ACFC3C84}" type="slidenum">
+            <a:fld id="{14C6CF93-C967-44BB-B72E-37B128B2059D}" type="slidenum">
               <a:rPr lang="zh-CN" altLang="en-US" smtClean="0"/>
               <a:t>‹#›</a:t>
             </a:fld>
@@ -2438,7 +2438,7 @@
     </p:spTree>
     <p:extLst>
       <p:ext uri="{BB962C8B-B14F-4D97-AF65-F5344CB8AC3E}">
-        <p14:creationId xmlns:p14="http://schemas.microsoft.com/office/powerpoint/2010/main" val="4162381748"/>
+        <p14:creationId xmlns:p14="http://schemas.microsoft.com/office/powerpoint/2010/main" val="3782112387"/>
       </p:ext>
     </p:extLst>
   </p:cSld>
@@ -2470,7 +2470,7 @@
           <p:cNvPr id="2" name="标题 1">
             <a:extLst>
               <a:ext uri="{FF2B5EF4-FFF2-40B4-BE49-F238E27FC236}">
-                <a16:creationId xmlns:a16="http://schemas.microsoft.com/office/drawing/2014/main" id="{8FC00CA8-7717-E434-8656-5FEEB32E5CE1}"/>
+                <a16:creationId xmlns:a16="http://schemas.microsoft.com/office/drawing/2014/main" id="{937134C6-4BB8-0BC0-4B85-B5C1A3B6C0F0}"/>
               </a:ext>
             </a:extLst>
           </p:cNvPr>
@@ -2507,7 +2507,7 @@
           <p:cNvPr id="3" name="图片占位符 2">
             <a:extLst>
               <a:ext uri="{FF2B5EF4-FFF2-40B4-BE49-F238E27FC236}">
-                <a16:creationId xmlns:a16="http://schemas.microsoft.com/office/drawing/2014/main" id="{5C3E3B6B-9A44-BA59-C941-AFFC5F702909}"/>
+                <a16:creationId xmlns:a16="http://schemas.microsoft.com/office/drawing/2014/main" id="{CC2AE7B7-4544-6DBF-68B6-B92962E26458}"/>
               </a:ext>
             </a:extLst>
           </p:cNvPr>
@@ -2574,7 +2574,7 @@
           <p:cNvPr id="4" name="文本占位符 3">
             <a:extLst>
               <a:ext uri="{FF2B5EF4-FFF2-40B4-BE49-F238E27FC236}">
-                <a16:creationId xmlns:a16="http://schemas.microsoft.com/office/drawing/2014/main" id="{5B8D89EB-8F42-9F47-1847-371C4B1EA70D}"/>
+                <a16:creationId xmlns:a16="http://schemas.microsoft.com/office/drawing/2014/main" id="{54544F9A-644D-0063-BAFA-93F8BD1084D9}"/>
               </a:ext>
             </a:extLst>
           </p:cNvPr>
@@ -2645,7 +2645,7 @@
           <p:cNvPr id="5" name="日期占位符 4">
             <a:extLst>
               <a:ext uri="{FF2B5EF4-FFF2-40B4-BE49-F238E27FC236}">
-                <a16:creationId xmlns:a16="http://schemas.microsoft.com/office/drawing/2014/main" id="{6C049E8B-092E-88D1-0347-1DC4FB5BE2A4}"/>
+                <a16:creationId xmlns:a16="http://schemas.microsoft.com/office/drawing/2014/main" id="{6176E3A7-8D85-3129-91BF-53BE5AC011C2}"/>
               </a:ext>
             </a:extLst>
           </p:cNvPr>
@@ -2661,7 +2661,7 @@
           <a:bodyPr/>
           <a:lstStyle/>
           <a:p>
-            <a:fld id="{800338AD-CC71-4611-902F-5B93A5600B97}" type="datetimeFigureOut">
+            <a:fld id="{40DE2E3C-831D-4470-9861-1C993D8D8180}" type="datetimeFigureOut">
               <a:rPr lang="zh-CN" altLang="en-US" smtClean="0"/>
               <a:t>2024/3/10</a:t>
             </a:fld>
@@ -2674,7 +2674,7 @@
           <p:cNvPr id="6" name="页脚占位符 5">
             <a:extLst>
               <a:ext uri="{FF2B5EF4-FFF2-40B4-BE49-F238E27FC236}">
-                <a16:creationId xmlns:a16="http://schemas.microsoft.com/office/drawing/2014/main" id="{E62A47BD-4238-3908-2910-F72763B75CCC}"/>
+                <a16:creationId xmlns:a16="http://schemas.microsoft.com/office/drawing/2014/main" id="{CC6A7243-5516-91EF-FBA0-23C2922DF3BC}"/>
               </a:ext>
             </a:extLst>
           </p:cNvPr>
@@ -2699,7 +2699,7 @@
           <p:cNvPr id="7" name="灯片编号占位符 6">
             <a:extLst>
               <a:ext uri="{FF2B5EF4-FFF2-40B4-BE49-F238E27FC236}">
-                <a16:creationId xmlns:a16="http://schemas.microsoft.com/office/drawing/2014/main" id="{7D27E3E1-D2BD-36B0-A3F0-C9869A61E678}"/>
+                <a16:creationId xmlns:a16="http://schemas.microsoft.com/office/drawing/2014/main" id="{FB25A25F-7EC2-32FA-7908-59AAD804BA38}"/>
               </a:ext>
             </a:extLst>
           </p:cNvPr>
@@ -2715,7 +2715,7 @@
           <a:bodyPr/>
           <a:lstStyle/>
           <a:p>
-            <a:fld id="{5D8AB71C-4E59-42F3-909A-F366ACFC3C84}" type="slidenum">
+            <a:fld id="{14C6CF93-C967-44BB-B72E-37B128B2059D}" type="slidenum">
               <a:rPr lang="zh-CN" altLang="en-US" smtClean="0"/>
               <a:t>‹#›</a:t>
             </a:fld>
@@ -2726,7 +2726,7 @@
     </p:spTree>
     <p:extLst>
       <p:ext uri="{BB962C8B-B14F-4D97-AF65-F5344CB8AC3E}">
-        <p14:creationId xmlns:p14="http://schemas.microsoft.com/office/powerpoint/2010/main" val="2542820999"/>
+        <p14:creationId xmlns:p14="http://schemas.microsoft.com/office/powerpoint/2010/main" val="129302023"/>
       </p:ext>
     </p:extLst>
   </p:cSld>
@@ -2763,7 +2763,7 @@
           <p:cNvPr id="2" name="标题占位符 1">
             <a:extLst>
               <a:ext uri="{FF2B5EF4-FFF2-40B4-BE49-F238E27FC236}">
-                <a16:creationId xmlns:a16="http://schemas.microsoft.com/office/drawing/2014/main" id="{052B0D21-55C2-7516-F9B8-76C73F8456FF}"/>
+                <a16:creationId xmlns:a16="http://schemas.microsoft.com/office/drawing/2014/main" id="{C1A98DD0-EEDF-15D9-DF61-EDC851D7FE47}"/>
               </a:ext>
             </a:extLst>
           </p:cNvPr>
@@ -2801,7 +2801,7 @@
           <p:cNvPr id="3" name="文本占位符 2">
             <a:extLst>
               <a:ext uri="{FF2B5EF4-FFF2-40B4-BE49-F238E27FC236}">
-                <a16:creationId xmlns:a16="http://schemas.microsoft.com/office/drawing/2014/main" id="{48659DCF-8D60-E886-200E-93A0AFEA849D}"/>
+                <a16:creationId xmlns:a16="http://schemas.microsoft.com/office/drawing/2014/main" id="{EB385181-AC74-EE24-6D05-48B6D3AF333D}"/>
               </a:ext>
             </a:extLst>
           </p:cNvPr>
@@ -2868,7 +2868,7 @@
           <p:cNvPr id="4" name="日期占位符 3">
             <a:extLst>
               <a:ext uri="{FF2B5EF4-FFF2-40B4-BE49-F238E27FC236}">
-                <a16:creationId xmlns:a16="http://schemas.microsoft.com/office/drawing/2014/main" id="{DF1D5320-9524-D74F-8A42-6FBB752CAEAE}"/>
+                <a16:creationId xmlns:a16="http://schemas.microsoft.com/office/drawing/2014/main" id="{98B44130-207E-68A9-9A33-96BDA13EE7B1}"/>
               </a:ext>
             </a:extLst>
           </p:cNvPr>
@@ -2902,7 +2902,7 @@
             </a:lvl1pPr>
           </a:lstStyle>
           <a:p>
-            <a:fld id="{800338AD-CC71-4611-902F-5B93A5600B97}" type="datetimeFigureOut">
+            <a:fld id="{40DE2E3C-831D-4470-9861-1C993D8D8180}" type="datetimeFigureOut">
               <a:rPr lang="zh-CN" altLang="en-US" smtClean="0"/>
               <a:t>2024/3/10</a:t>
             </a:fld>
@@ -2915,7 +2915,7 @@
           <p:cNvPr id="5" name="页脚占位符 4">
             <a:extLst>
               <a:ext uri="{FF2B5EF4-FFF2-40B4-BE49-F238E27FC236}">
-                <a16:creationId xmlns:a16="http://schemas.microsoft.com/office/drawing/2014/main" id="{6B7A9B42-B41F-668F-6EB4-874446E0B676}"/>
+                <a16:creationId xmlns:a16="http://schemas.microsoft.com/office/drawing/2014/main" id="{D489614F-734D-ECFC-FFF4-2CB845B8207F}"/>
               </a:ext>
             </a:extLst>
           </p:cNvPr>
@@ -2958,7 +2958,7 @@
           <p:cNvPr id="6" name="灯片编号占位符 5">
             <a:extLst>
               <a:ext uri="{FF2B5EF4-FFF2-40B4-BE49-F238E27FC236}">
-                <a16:creationId xmlns:a16="http://schemas.microsoft.com/office/drawing/2014/main" id="{4970D7E6-A7A2-A630-0CCE-2F46022805E3}"/>
+                <a16:creationId xmlns:a16="http://schemas.microsoft.com/office/drawing/2014/main" id="{41122D27-0F02-4ACA-7978-AEAC829ACFDC}"/>
               </a:ext>
             </a:extLst>
           </p:cNvPr>
@@ -2992,7 +2992,7 @@
             </a:lvl1pPr>
           </a:lstStyle>
           <a:p>
-            <a:fld id="{5D8AB71C-4E59-42F3-909A-F366ACFC3C84}" type="slidenum">
+            <a:fld id="{14C6CF93-C967-44BB-B72E-37B128B2059D}" type="slidenum">
               <a:rPr lang="zh-CN" altLang="en-US" smtClean="0"/>
               <a:t>‹#›</a:t>
             </a:fld>
@@ -3003,7 +3003,7 @@
     </p:spTree>
     <p:extLst>
       <p:ext uri="{BB962C8B-B14F-4D97-AF65-F5344CB8AC3E}">
-        <p14:creationId xmlns:p14="http://schemas.microsoft.com/office/powerpoint/2010/main" val="2603548609"/>
+        <p14:creationId xmlns:p14="http://schemas.microsoft.com/office/powerpoint/2010/main" val="132185272"/>
       </p:ext>
     </p:extLst>
   </p:cSld>
@@ -3323,7 +3323,7 @@
       </p:grpSpPr>
       <p:pic>
         <p:nvPicPr>
-          <p:cNvPr id="745474" name="Picture 2" descr="727"/>
+          <p:cNvPr id="746498" name="Picture 2" descr="728"/>
           <p:cNvPicPr>
             <a:picLocks noChangeAspect="1" noChangeArrowheads="1"/>
           </p:cNvPicPr>
@@ -3375,11 +3375,158 @@
           </a:extLst>
         </p:spPr>
       </p:pic>
+      <p:pic>
+        <p:nvPicPr>
+          <p:cNvPr id="747523" name="Picture 3" descr="728-2"/>
+          <p:cNvPicPr>
+            <a:picLocks noChangeAspect="1" noChangeArrowheads="1"/>
+          </p:cNvPicPr>
+          <p:nvPr/>
+        </p:nvPicPr>
+        <p:blipFill>
+          <a:blip r:embed="rId3">
+            <a:extLst>
+              <a:ext uri="{28A0092B-C50C-407E-A947-70E740481C1C}">
+                <a14:useLocalDpi xmlns:a14="http://schemas.microsoft.com/office/drawing/2010/main" val="0"/>
+              </a:ext>
+            </a:extLst>
+          </a:blip>
+          <a:srcRect/>
+          <a:stretch>
+            <a:fillRect/>
+          </a:stretch>
+        </p:blipFill>
+        <p:spPr bwMode="auto">
+          <a:xfrm>
+            <a:off x="1524000" y="0"/>
+            <a:ext cx="9144000" cy="6858000"/>
+          </a:xfrm>
+          <a:prstGeom prst="rect">
+            <a:avLst/>
+          </a:prstGeom>
+          <a:noFill/>
+          <a:ln>
+            <a:noFill/>
+          </a:ln>
+          <a:effectLst/>
+          <a:extLst>
+            <a:ext uri="{909E8E84-426E-40DD-AFC4-6F175D3DCCD1}">
+              <a14:hiddenFill xmlns:a14="http://schemas.microsoft.com/office/drawing/2010/main">
+                <a:solidFill>
+                  <a:srgbClr val="FFFFFF"/>
+                </a:solidFill>
+              </a14:hiddenFill>
+            </a:ext>
+            <a:ext uri="{91240B29-F687-4F45-9708-019B960494DF}">
+              <a14:hiddenLine xmlns:a14="http://schemas.microsoft.com/office/drawing/2010/main" w="9525">
+                <a:solidFill>
+                  <a:srgbClr val="000000"/>
+                </a:solidFill>
+                <a:miter lim="800000"/>
+                <a:headEnd/>
+                <a:tailEnd/>
+              </a14:hiddenLine>
+            </a:ext>
+            <a:ext uri="{AF507438-7753-43E0-B8FC-AC1667EBCBE1}">
+              <a14:hiddenEffects xmlns:a14="http://schemas.microsoft.com/office/drawing/2010/main">
+                <a:effectLst>
+                  <a:outerShdw dist="35921" dir="2700000" algn="ctr" rotWithShape="0">
+                    <a:srgbClr val="808080"/>
+                  </a:outerShdw>
+                </a:effectLst>
+              </a14:hiddenEffects>
+            </a:ext>
+          </a:extLst>
+        </p:spPr>
+      </p:pic>
     </p:spTree>
   </p:cSld>
   <p:clrMapOvr>
     <a:masterClrMapping/>
   </p:clrMapOvr>
+  <p:timing>
+    <p:tnLst>
+      <p:par>
+        <p:cTn id="1" dur="indefinite" restart="never" nodeType="tmRoot">
+          <p:childTnLst>
+            <p:seq concurrent="1" nextAc="seek">
+              <p:cTn id="2" dur="indefinite" nodeType="mainSeq">
+                <p:childTnLst>
+                  <p:par>
+                    <p:cTn id="3" fill="hold" nodeType="clickPar">
+                      <p:stCondLst>
+                        <p:cond delay="indefinite"/>
+                      </p:stCondLst>
+                      <p:childTnLst>
+                        <p:par>
+                          <p:cTn id="4" fill="hold" nodeType="withGroup">
+                            <p:stCondLst>
+                              <p:cond delay="0"/>
+                            </p:stCondLst>
+                            <p:childTnLst>
+                              <p:par>
+                                <p:cTn id="5" presetID="10" presetClass="entr" presetSubtype="0" fill="hold" nodeType="clickEffect">
+                                  <p:stCondLst>
+                                    <p:cond delay="0"/>
+                                  </p:stCondLst>
+                                  <p:childTnLst>
+                                    <p:set>
+                                      <p:cBhvr>
+                                        <p:cTn id="6" dur="1" fill="hold">
+                                          <p:stCondLst>
+                                            <p:cond delay="0"/>
+                                          </p:stCondLst>
+                                        </p:cTn>
+                                        <p:tgtEl>
+                                          <p:spTgt spid="747523"/>
+                                        </p:tgtEl>
+                                        <p:attrNameLst>
+                                          <p:attrName>style.visibility</p:attrName>
+                                        </p:attrNameLst>
+                                      </p:cBhvr>
+                                      <p:to>
+                                        <p:strVal val="visible"/>
+                                      </p:to>
+                                    </p:set>
+                                    <p:animEffect transition="in" filter="fade">
+                                      <p:cBhvr>
+                                        <p:cTn id="7" dur="500"/>
+                                        <p:tgtEl>
+                                          <p:spTgt spid="747523"/>
+                                        </p:tgtEl>
+                                      </p:cBhvr>
+                                    </p:animEffect>
+                                  </p:childTnLst>
+                                </p:cTn>
+                              </p:par>
+                            </p:childTnLst>
+                          </p:cTn>
+                        </p:par>
+                      </p:childTnLst>
+                    </p:cTn>
+                  </p:par>
+                </p:childTnLst>
+              </p:cTn>
+              <p:prevCondLst>
+                <p:cond evt="onPrev" delay="0">
+                  <p:tgtEl>
+                    <p:sldTgt/>
+                  </p:tgtEl>
+                </p:cond>
+              </p:prevCondLst>
+              <p:nextCondLst>
+                <p:cond evt="onNext" delay="0">
+                  <p:tgtEl>
+                    <p:sldTgt/>
+                  </p:tgtEl>
+                </p:cond>
+              </p:nextCondLst>
+            </p:seq>
+          </p:childTnLst>
+        </p:cTn>
+      </p:par>
+    </p:tnLst>
+  </p:timing>
 </p:sld>
 </file>
 
